--- a/Τελική Παρουσίαση.pptx
+++ b/Τελική Παρουσίαση.pptx
@@ -5,10 +5,10 @@
     <p:sldMasterId id="2147483744" r:id="rId4"/>
   </p:sldMasterIdLst>
   <p:notesMasterIdLst>
-    <p:notesMasterId r:id="rId12"/>
+    <p:notesMasterId r:id="rId14"/>
   </p:notesMasterIdLst>
   <p:handoutMasterIdLst>
-    <p:handoutMasterId r:id="rId13"/>
+    <p:handoutMasterId r:id="rId15"/>
   </p:handoutMasterIdLst>
   <p:sldIdLst>
     <p:sldId id="355" r:id="rId5"/>
@@ -16,8 +16,10 @@
     <p:sldId id="378" r:id="rId7"/>
     <p:sldId id="379" r:id="rId8"/>
     <p:sldId id="380" r:id="rId9"/>
-    <p:sldId id="381" r:id="rId10"/>
-    <p:sldId id="382" r:id="rId11"/>
+    <p:sldId id="384" r:id="rId10"/>
+    <p:sldId id="385" r:id="rId11"/>
+    <p:sldId id="381" r:id="rId12"/>
+    <p:sldId id="382" r:id="rId13"/>
   </p:sldIdLst>
   <p:sldSz cx="12192000" cy="6858000"/>
   <p:notesSz cx="6858000" cy="9144000"/>
@@ -1863,6 +1865,208 @@
 </p:notes>
 </file>
 
+<file path=ppt/notesSlides/notesSlide3.xml><?xml version="1.0" encoding="utf-8"?>
+<p:notes xmlns:a="http://schemas.openxmlformats.org/drawingml/2006/main" xmlns:r="http://schemas.openxmlformats.org/officeDocument/2006/relationships" xmlns:p="http://schemas.openxmlformats.org/presentationml/2006/main">
+  <p:cSld>
+    <p:spTree>
+      <p:nvGrpSpPr>
+        <p:cNvPr id="1" name=""/>
+        <p:cNvGrpSpPr/>
+        <p:nvPr/>
+      </p:nvGrpSpPr>
+      <p:grpSpPr>
+        <a:xfrm>
+          <a:off x="0" y="0"/>
+          <a:ext cx="0" cy="0"/>
+          <a:chOff x="0" y="0"/>
+          <a:chExt cx="0" cy="0"/>
+        </a:xfrm>
+      </p:grpSpPr>
+      <p:sp>
+        <p:nvSpPr>
+          <p:cNvPr id="2" name="Slide Image Placeholder 1"/>
+          <p:cNvSpPr>
+            <a:spLocks noGrp="1" noRot="1" noChangeAspect="1"/>
+          </p:cNvSpPr>
+          <p:nvPr>
+            <p:ph type="sldImg"/>
+          </p:nvPr>
+        </p:nvSpPr>
+        <p:spPr/>
+      </p:sp>
+      <p:sp>
+        <p:nvSpPr>
+          <p:cNvPr id="3" name="Notes Placeholder 2"/>
+          <p:cNvSpPr>
+            <a:spLocks noGrp="1"/>
+          </p:cNvSpPr>
+          <p:nvPr>
+            <p:ph type="body" idx="1"/>
+          </p:nvPr>
+        </p:nvSpPr>
+        <p:spPr/>
+        <p:txBody>
+          <a:bodyPr/>
+          <a:lstStyle/>
+          <a:p>
+            <a:pPr marL="0" marR="0" lvl="0" indent="0" algn="l" defTabSz="914400" rtl="0" eaLnBrk="1" fontAlgn="auto" latinLnBrk="0" hangingPunct="1">
+              <a:lnSpc>
+                <a:spcPct val="100000"/>
+              </a:lnSpc>
+              <a:spcBef>
+                <a:spcPts val="0"/>
+              </a:spcBef>
+              <a:spcAft>
+                <a:spcPts val="0"/>
+              </a:spcAft>
+              <a:buClrTx/>
+              <a:buSzTx/>
+              <a:buFontTx/>
+              <a:buNone/>
+              <a:tabLst/>
+              <a:defRPr/>
+            </a:pPr>
+            <a:endParaRPr lang="en-US" dirty="0"/>
+          </a:p>
+        </p:txBody>
+      </p:sp>
+      <p:sp>
+        <p:nvSpPr>
+          <p:cNvPr id="4" name="Slide Number Placeholder 3"/>
+          <p:cNvSpPr>
+            <a:spLocks noGrp="1"/>
+          </p:cNvSpPr>
+          <p:nvPr>
+            <p:ph type="sldNum" sz="quarter" idx="5"/>
+          </p:nvPr>
+        </p:nvSpPr>
+        <p:spPr/>
+        <p:txBody>
+          <a:bodyPr/>
+          <a:lstStyle/>
+          <a:p>
+            <a:fld id="{41624F0E-DEC4-4055-BBC2-60E713F4A980}" type="slidenum">
+              <a:rPr lang="en-US" smtClean="0"/>
+              <a:t>6</a:t>
+            </a:fld>
+            <a:endParaRPr lang="en-US" dirty="0"/>
+          </a:p>
+        </p:txBody>
+      </p:sp>
+    </p:spTree>
+    <p:extLst>
+      <p:ext uri="{BB962C8B-B14F-4D97-AF65-F5344CB8AC3E}">
+        <p14:creationId xmlns:p14="http://schemas.microsoft.com/office/powerpoint/2010/main" val="217444352"/>
+      </p:ext>
+    </p:extLst>
+  </p:cSld>
+  <p:clrMapOvr>
+    <a:masterClrMapping/>
+  </p:clrMapOvr>
+</p:notes>
+</file>
+
+<file path=ppt/notesSlides/notesSlide4.xml><?xml version="1.0" encoding="utf-8"?>
+<p:notes xmlns:a="http://schemas.openxmlformats.org/drawingml/2006/main" xmlns:r="http://schemas.openxmlformats.org/officeDocument/2006/relationships" xmlns:p="http://schemas.openxmlformats.org/presentationml/2006/main">
+  <p:cSld>
+    <p:spTree>
+      <p:nvGrpSpPr>
+        <p:cNvPr id="1" name=""/>
+        <p:cNvGrpSpPr/>
+        <p:nvPr/>
+      </p:nvGrpSpPr>
+      <p:grpSpPr>
+        <a:xfrm>
+          <a:off x="0" y="0"/>
+          <a:ext cx="0" cy="0"/>
+          <a:chOff x="0" y="0"/>
+          <a:chExt cx="0" cy="0"/>
+        </a:xfrm>
+      </p:grpSpPr>
+      <p:sp>
+        <p:nvSpPr>
+          <p:cNvPr id="2" name="Slide Image Placeholder 1"/>
+          <p:cNvSpPr>
+            <a:spLocks noGrp="1" noRot="1" noChangeAspect="1"/>
+          </p:cNvSpPr>
+          <p:nvPr>
+            <p:ph type="sldImg"/>
+          </p:nvPr>
+        </p:nvSpPr>
+        <p:spPr/>
+      </p:sp>
+      <p:sp>
+        <p:nvSpPr>
+          <p:cNvPr id="3" name="Notes Placeholder 2"/>
+          <p:cNvSpPr>
+            <a:spLocks noGrp="1"/>
+          </p:cNvSpPr>
+          <p:nvPr>
+            <p:ph type="body" idx="1"/>
+          </p:nvPr>
+        </p:nvSpPr>
+        <p:spPr/>
+        <p:txBody>
+          <a:bodyPr/>
+          <a:lstStyle/>
+          <a:p>
+            <a:pPr marL="0" marR="0" lvl="0" indent="0" algn="l" defTabSz="914400" rtl="0" eaLnBrk="1" fontAlgn="auto" latinLnBrk="0" hangingPunct="1">
+              <a:lnSpc>
+                <a:spcPct val="100000"/>
+              </a:lnSpc>
+              <a:spcBef>
+                <a:spcPts val="0"/>
+              </a:spcBef>
+              <a:spcAft>
+                <a:spcPts val="0"/>
+              </a:spcAft>
+              <a:buClrTx/>
+              <a:buSzTx/>
+              <a:buFontTx/>
+              <a:buNone/>
+              <a:tabLst/>
+              <a:defRPr/>
+            </a:pPr>
+            <a:endParaRPr lang="en-US" dirty="0"/>
+          </a:p>
+        </p:txBody>
+      </p:sp>
+      <p:sp>
+        <p:nvSpPr>
+          <p:cNvPr id="4" name="Slide Number Placeholder 3"/>
+          <p:cNvSpPr>
+            <a:spLocks noGrp="1"/>
+          </p:cNvSpPr>
+          <p:nvPr>
+            <p:ph type="sldNum" sz="quarter" idx="5"/>
+          </p:nvPr>
+        </p:nvSpPr>
+        <p:spPr/>
+        <p:txBody>
+          <a:bodyPr/>
+          <a:lstStyle/>
+          <a:p>
+            <a:fld id="{41624F0E-DEC4-4055-BBC2-60E713F4A980}" type="slidenum">
+              <a:rPr lang="en-US" smtClean="0"/>
+              <a:t>7</a:t>
+            </a:fld>
+            <a:endParaRPr lang="en-US" dirty="0"/>
+          </a:p>
+        </p:txBody>
+      </p:sp>
+    </p:spTree>
+    <p:extLst>
+      <p:ext uri="{BB962C8B-B14F-4D97-AF65-F5344CB8AC3E}">
+        <p14:creationId xmlns:p14="http://schemas.microsoft.com/office/powerpoint/2010/main" val="1658711449"/>
+      </p:ext>
+    </p:extLst>
+  </p:cSld>
+  <p:clrMapOvr>
+    <a:masterClrMapping/>
+  </p:clrMapOvr>
+</p:notes>
+</file>
+
 <file path=ppt/slideLayouts/slideLayout1.xml><?xml version="1.0" encoding="utf-8"?>
 <p:sldLayout xmlns:a="http://schemas.openxmlformats.org/drawingml/2006/main" xmlns:r="http://schemas.openxmlformats.org/officeDocument/2006/relationships" xmlns:p="http://schemas.openxmlformats.org/presentationml/2006/main" preserve="1" userDrawn="1">
   <p:cSld name="Title">
@@ -11349,6 +11553,806 @@
       </p:grpSpPr>
       <p:sp>
         <p:nvSpPr>
+          <p:cNvPr id="15" name="Title 14">
+            <a:extLst>
+              <a:ext uri="{FF2B5EF4-FFF2-40B4-BE49-F238E27FC236}">
+                <a16:creationId xmlns:a16="http://schemas.microsoft.com/office/drawing/2014/main" id="{4B3E83B9-222A-4520-83DF-65CC433DACF1}"/>
+              </a:ext>
+            </a:extLst>
+          </p:cNvPr>
+          <p:cNvSpPr>
+            <a:spLocks noGrp="1"/>
+          </p:cNvSpPr>
+          <p:nvPr>
+            <p:ph type="title"/>
+          </p:nvPr>
+        </p:nvSpPr>
+        <p:spPr>
+          <a:xfrm>
+            <a:off x="2378476" y="92075"/>
+            <a:ext cx="8106792" cy="763941"/>
+          </a:xfrm>
+        </p:spPr>
+        <p:txBody>
+          <a:bodyPr>
+            <a:normAutofit/>
+          </a:bodyPr>
+          <a:lstStyle/>
+          <a:p>
+            <a:r>
+              <a:rPr lang="el-GR" b="1" u="sng" dirty="0"/>
+              <a:t>Εφαρμογή</a:t>
+            </a:r>
+            <a:r>
+              <a:rPr lang="en-US" b="1" u="sng" dirty="0"/>
+              <a:t>: </a:t>
+            </a:r>
+            <a:r>
+              <a:rPr lang="el-GR" b="1" u="sng" dirty="0"/>
+              <a:t>Λειτουργίες</a:t>
+            </a:r>
+            <a:r>
+              <a:rPr lang="en-US" b="1" u="sng" dirty="0"/>
+              <a:t> </a:t>
+            </a:r>
+            <a:r>
+              <a:rPr lang="en-US" dirty="0"/>
+              <a:t>(1)</a:t>
+            </a:r>
+          </a:p>
+        </p:txBody>
+      </p:sp>
+      <p:sp>
+        <p:nvSpPr>
+          <p:cNvPr id="21" name="Date Placeholder 20">
+            <a:extLst>
+              <a:ext uri="{FF2B5EF4-FFF2-40B4-BE49-F238E27FC236}">
+                <a16:creationId xmlns:a16="http://schemas.microsoft.com/office/drawing/2014/main" id="{FC983FB1-C97B-41D3-9FB3-3965A27A682D}"/>
+              </a:ext>
+            </a:extLst>
+          </p:cNvPr>
+          <p:cNvSpPr>
+            <a:spLocks noGrp="1"/>
+          </p:cNvSpPr>
+          <p:nvPr>
+            <p:ph type="dt" sz="half" idx="10"/>
+          </p:nvPr>
+        </p:nvSpPr>
+        <p:spPr>
+          <a:xfrm>
+            <a:off x="838200" y="6400800"/>
+            <a:ext cx="2743200" cy="365125"/>
+          </a:xfrm>
+        </p:spPr>
+        <p:txBody>
+          <a:bodyPr/>
+          <a:lstStyle/>
+          <a:p>
+            <a:r>
+              <a:rPr lang="el-GR" dirty="0"/>
+              <a:t>9/11/2023</a:t>
+            </a:r>
+            <a:endParaRPr lang="en-US" dirty="0"/>
+          </a:p>
+        </p:txBody>
+      </p:sp>
+      <p:sp>
+        <p:nvSpPr>
+          <p:cNvPr id="22" name="Footer Placeholder 21">
+            <a:extLst>
+              <a:ext uri="{FF2B5EF4-FFF2-40B4-BE49-F238E27FC236}">
+                <a16:creationId xmlns:a16="http://schemas.microsoft.com/office/drawing/2014/main" id="{B6B03491-29ED-44F3-91B1-95FE8D2D8A5D}"/>
+              </a:ext>
+            </a:extLst>
+          </p:cNvPr>
+          <p:cNvSpPr>
+            <a:spLocks noGrp="1"/>
+          </p:cNvSpPr>
+          <p:nvPr>
+            <p:ph type="ftr" sz="quarter" idx="11"/>
+          </p:nvPr>
+        </p:nvSpPr>
+        <p:spPr>
+          <a:xfrm>
+            <a:off x="4038600" y="6400800"/>
+            <a:ext cx="4114800" cy="365125"/>
+          </a:xfrm>
+        </p:spPr>
+        <p:txBody>
+          <a:bodyPr/>
+          <a:lstStyle/>
+          <a:p>
+            <a:r>
+              <a:rPr lang="el-GR" dirty="0" err="1"/>
+              <a:t>Εφαρμογη</a:t>
+            </a:r>
+            <a:r>
+              <a:rPr lang="el-GR" dirty="0"/>
+              <a:t> </a:t>
+            </a:r>
+            <a:r>
+              <a:rPr lang="el-GR" dirty="0" err="1"/>
+              <a:t>αποθηκευσησ</a:t>
+            </a:r>
+            <a:r>
+              <a:rPr lang="el-GR" dirty="0"/>
+              <a:t> και </a:t>
+            </a:r>
+            <a:r>
+              <a:rPr lang="el-GR" dirty="0" err="1"/>
+              <a:t>ανακτησησ</a:t>
+            </a:r>
+            <a:r>
+              <a:rPr lang="el-GR" dirty="0"/>
+              <a:t> </a:t>
+            </a:r>
+            <a:r>
+              <a:rPr lang="el-GR" dirty="0" err="1"/>
+              <a:t>αρθρων</a:t>
+            </a:r>
+            <a:r>
+              <a:rPr lang="el-GR" dirty="0"/>
+              <a:t> και </a:t>
+            </a:r>
+            <a:r>
+              <a:rPr lang="el-GR" dirty="0" err="1"/>
+              <a:t>επιστημονικων</a:t>
+            </a:r>
+            <a:r>
+              <a:rPr lang="el-GR" dirty="0"/>
+              <a:t> </a:t>
+            </a:r>
+            <a:r>
+              <a:rPr lang="el-GR" dirty="0" err="1"/>
+              <a:t>περιοδικων</a:t>
+            </a:r>
+            <a:endParaRPr lang="en-US" dirty="0"/>
+          </a:p>
+        </p:txBody>
+      </p:sp>
+      <p:sp>
+        <p:nvSpPr>
+          <p:cNvPr id="23" name="Slide Number Placeholder 22">
+            <a:extLst>
+              <a:ext uri="{FF2B5EF4-FFF2-40B4-BE49-F238E27FC236}">
+                <a16:creationId xmlns:a16="http://schemas.microsoft.com/office/drawing/2014/main" id="{E8C61C62-3469-4549-83A6-FB9E93FFF732}"/>
+              </a:ext>
+            </a:extLst>
+          </p:cNvPr>
+          <p:cNvSpPr>
+            <a:spLocks noGrp="1"/>
+          </p:cNvSpPr>
+          <p:nvPr>
+            <p:ph type="sldNum" sz="quarter" idx="12"/>
+          </p:nvPr>
+        </p:nvSpPr>
+        <p:spPr>
+          <a:xfrm>
+            <a:off x="8610600" y="6400800"/>
+            <a:ext cx="2743200" cy="365125"/>
+          </a:xfrm>
+        </p:spPr>
+        <p:txBody>
+          <a:bodyPr/>
+          <a:lstStyle/>
+          <a:p>
+            <a:fld id="{DFA5D71E-5CDF-4C93-8A75-5B916FDC5BEA}" type="slidenum">
+              <a:rPr lang="en-US" smtClean="0"/>
+              <a:pPr/>
+              <a:t>6</a:t>
+            </a:fld>
+            <a:endParaRPr lang="en-US" dirty="0"/>
+          </a:p>
+        </p:txBody>
+      </p:sp>
+      <p:sp>
+        <p:nvSpPr>
+          <p:cNvPr id="8" name="TextBox 7">
+            <a:extLst>
+              <a:ext uri="{FF2B5EF4-FFF2-40B4-BE49-F238E27FC236}">
+                <a16:creationId xmlns:a16="http://schemas.microsoft.com/office/drawing/2014/main" id="{FB4AAFE8-F6C1-F9CF-C387-E9A8D40302F4}"/>
+              </a:ext>
+            </a:extLst>
+          </p:cNvPr>
+          <p:cNvSpPr txBox="1"/>
+          <p:nvPr/>
+        </p:nvSpPr>
+        <p:spPr>
+          <a:xfrm>
+            <a:off x="756082" y="1054391"/>
+            <a:ext cx="10679836" cy="6370975"/>
+          </a:xfrm>
+          <a:prstGeom prst="rect">
+            <a:avLst/>
+          </a:prstGeom>
+          <a:noFill/>
+        </p:spPr>
+        <p:txBody>
+          <a:bodyPr wrap="square" rtlCol="0">
+            <a:spAutoFit/>
+          </a:bodyPr>
+          <a:lstStyle/>
+          <a:p>
+            <a:pPr marL="285750" indent="-285750" algn="ctr">
+              <a:buFont typeface="Arial" panose="020B0604020202020204" pitchFamily="34" charset="0"/>
+              <a:buChar char="•"/>
+            </a:pPr>
+            <a:r>
+              <a:rPr lang="el-GR" sz="2400" dirty="0"/>
+              <a:t>Σύνδεση / Εγγραφή Χρήστη με </a:t>
+            </a:r>
+            <a:r>
+              <a:rPr lang="en-US" sz="2400" b="1" dirty="0"/>
+              <a:t>username</a:t>
+            </a:r>
+            <a:endParaRPr lang="el-GR" sz="2400" b="1" dirty="0"/>
+          </a:p>
+          <a:p>
+            <a:pPr marL="285750" indent="-285750" algn="ctr">
+              <a:buFont typeface="Arial" panose="020B0604020202020204" pitchFamily="34" charset="0"/>
+              <a:buChar char="•"/>
+            </a:pPr>
+            <a:endParaRPr lang="en-US" sz="2400" dirty="0"/>
+          </a:p>
+          <a:p>
+            <a:pPr marL="285750" indent="-285750" algn="ctr">
+              <a:buFont typeface="Arial" panose="020B0604020202020204" pitchFamily="34" charset="0"/>
+              <a:buChar char="•"/>
+            </a:pPr>
+            <a:endParaRPr lang="el-GR" sz="2400" dirty="0"/>
+          </a:p>
+          <a:p>
+            <a:pPr marL="285750" indent="-285750" algn="ctr">
+              <a:buFont typeface="Arial" panose="020B0604020202020204" pitchFamily="34" charset="0"/>
+              <a:buChar char="•"/>
+            </a:pPr>
+            <a:r>
+              <a:rPr lang="el-GR" sz="2400" dirty="0"/>
+              <a:t>Δυνατότητα αποθήκευσης άρθρου</a:t>
+            </a:r>
+          </a:p>
+          <a:p>
+            <a:pPr marL="285750" indent="-285750" algn="ctr">
+              <a:buFont typeface="Arial" panose="020B0604020202020204" pitchFamily="34" charset="0"/>
+              <a:buChar char="•"/>
+            </a:pPr>
+            <a:endParaRPr lang="en-US" sz="2400" b="1" dirty="0"/>
+          </a:p>
+          <a:p>
+            <a:pPr marL="285750" indent="-285750" algn="ctr">
+              <a:buFont typeface="Arial" panose="020B0604020202020204" pitchFamily="34" charset="0"/>
+              <a:buChar char="•"/>
+            </a:pPr>
+            <a:endParaRPr lang="el-GR" sz="2400" b="1" dirty="0"/>
+          </a:p>
+          <a:p>
+            <a:pPr marL="285750" indent="-285750" algn="ctr">
+              <a:buFont typeface="Arial" panose="020B0604020202020204" pitchFamily="34" charset="0"/>
+              <a:buChar char="•"/>
+            </a:pPr>
+            <a:r>
+              <a:rPr lang="el-GR" sz="2400" dirty="0"/>
+              <a:t>Δυνατότητα </a:t>
+            </a:r>
+            <a:r>
+              <a:rPr lang="en-US" sz="2400" dirty="0"/>
+              <a:t>Upload </a:t>
+            </a:r>
+            <a:r>
+              <a:rPr lang="el-GR" sz="2400" dirty="0"/>
+              <a:t>Άρθρου</a:t>
+            </a:r>
+          </a:p>
+          <a:p>
+            <a:pPr marL="285750" indent="-285750" algn="ctr">
+              <a:buFont typeface="Arial" panose="020B0604020202020204" pitchFamily="34" charset="0"/>
+              <a:buChar char="•"/>
+            </a:pPr>
+            <a:endParaRPr lang="en-US" sz="2400" dirty="0"/>
+          </a:p>
+          <a:p>
+            <a:pPr marL="285750" indent="-285750" algn="ctr">
+              <a:buFont typeface="Arial" panose="020B0604020202020204" pitchFamily="34" charset="0"/>
+              <a:buChar char="•"/>
+            </a:pPr>
+            <a:endParaRPr lang="el-GR" sz="2400" dirty="0"/>
+          </a:p>
+          <a:p>
+            <a:pPr marL="285750" indent="-285750" algn="ctr">
+              <a:buFont typeface="Arial" panose="020B0604020202020204" pitchFamily="34" charset="0"/>
+              <a:buChar char="•"/>
+            </a:pPr>
+            <a:r>
+              <a:rPr lang="el-GR" sz="2400" b="1" dirty="0"/>
+              <a:t>Αναζήτηση άρθρων </a:t>
+            </a:r>
+            <a:r>
+              <a:rPr lang="el-GR" sz="2400" dirty="0"/>
+              <a:t>με βάση </a:t>
+            </a:r>
+            <a:r>
+              <a:rPr lang="en-US" sz="2400" b="1" dirty="0"/>
+              <a:t>KEYWORDS</a:t>
+            </a:r>
+            <a:endParaRPr lang="el-GR" sz="2400" dirty="0"/>
+          </a:p>
+          <a:p>
+            <a:pPr marL="285750" indent="-285750" algn="ctr">
+              <a:buFont typeface="Arial" panose="020B0604020202020204" pitchFamily="34" charset="0"/>
+              <a:buChar char="•"/>
+            </a:pPr>
+            <a:endParaRPr lang="en-US" sz="2400" dirty="0"/>
+          </a:p>
+          <a:p>
+            <a:pPr marL="285750" indent="-285750" algn="ctr">
+              <a:buFont typeface="Arial" panose="020B0604020202020204" pitchFamily="34" charset="0"/>
+              <a:buChar char="•"/>
+            </a:pPr>
+            <a:endParaRPr lang="el-GR" sz="2400" dirty="0"/>
+          </a:p>
+          <a:p>
+            <a:pPr marL="285750" indent="-285750" algn="ctr">
+              <a:buFont typeface="Arial" panose="020B0604020202020204" pitchFamily="34" charset="0"/>
+              <a:buChar char="•"/>
+            </a:pPr>
+            <a:r>
+              <a:rPr lang="el-GR" sz="2400" dirty="0"/>
+              <a:t>Αναζήτηση </a:t>
+            </a:r>
+            <a:r>
+              <a:rPr lang="el-GR" sz="2400" b="1" dirty="0"/>
+              <a:t>Συγγραφέων</a:t>
+            </a:r>
+            <a:r>
+              <a:rPr lang="el-GR" sz="2400" dirty="0"/>
+              <a:t> με τίτλο ή </a:t>
+            </a:r>
+            <a:r>
+              <a:rPr lang="en-US" sz="2400" dirty="0"/>
+              <a:t>ID </a:t>
+            </a:r>
+            <a:r>
+              <a:rPr lang="el-GR" sz="2400" b="1" dirty="0"/>
+              <a:t>άρθρου</a:t>
+            </a:r>
+          </a:p>
+          <a:p>
+            <a:pPr marL="285750" indent="-285750" algn="ctr">
+              <a:buFont typeface="Arial" panose="020B0604020202020204" pitchFamily="34" charset="0"/>
+              <a:buChar char="•"/>
+            </a:pPr>
+            <a:endParaRPr lang="el-GR" sz="2400" b="1" dirty="0"/>
+          </a:p>
+          <a:p>
+            <a:pPr marL="285750" indent="-285750" algn="ctr">
+              <a:buFont typeface="Arial" panose="020B0604020202020204" pitchFamily="34" charset="0"/>
+              <a:buChar char="•"/>
+            </a:pPr>
+            <a:endParaRPr lang="el-GR" sz="2400" dirty="0"/>
+          </a:p>
+          <a:p>
+            <a:pPr algn="ctr"/>
+            <a:endParaRPr lang="el-GR" sz="2400" dirty="0"/>
+          </a:p>
+          <a:p>
+            <a:pPr marL="285750" indent="-285750" algn="ctr">
+              <a:buFont typeface="Arial" panose="020B0604020202020204" pitchFamily="34" charset="0"/>
+              <a:buChar char="•"/>
+            </a:pPr>
+            <a:endParaRPr lang="el-GR" sz="2400" dirty="0"/>
+          </a:p>
+        </p:txBody>
+      </p:sp>
+    </p:spTree>
+    <p:extLst>
+      <p:ext uri="{BB962C8B-B14F-4D97-AF65-F5344CB8AC3E}">
+        <p14:creationId xmlns:p14="http://schemas.microsoft.com/office/powerpoint/2010/main" val="2275914241"/>
+      </p:ext>
+    </p:extLst>
+  </p:cSld>
+  <p:clrMapOvr>
+    <a:masterClrMapping/>
+  </p:clrMapOvr>
+</p:sld>
+</file>
+
+<file path=ppt/slides/slide7.xml><?xml version="1.0" encoding="utf-8"?>
+<p:sld xmlns:a="http://schemas.openxmlformats.org/drawingml/2006/main" xmlns:r="http://schemas.openxmlformats.org/officeDocument/2006/relationships" xmlns:p="http://schemas.openxmlformats.org/presentationml/2006/main">
+  <p:cSld>
+    <p:spTree>
+      <p:nvGrpSpPr>
+        <p:cNvPr id="1" name=""/>
+        <p:cNvGrpSpPr/>
+        <p:nvPr/>
+      </p:nvGrpSpPr>
+      <p:grpSpPr>
+        <a:xfrm>
+          <a:off x="0" y="0"/>
+          <a:ext cx="0" cy="0"/>
+          <a:chOff x="0" y="0"/>
+          <a:chExt cx="0" cy="0"/>
+        </a:xfrm>
+      </p:grpSpPr>
+      <p:sp>
+        <p:nvSpPr>
+          <p:cNvPr id="15" name="Title 14">
+            <a:extLst>
+              <a:ext uri="{FF2B5EF4-FFF2-40B4-BE49-F238E27FC236}">
+                <a16:creationId xmlns:a16="http://schemas.microsoft.com/office/drawing/2014/main" id="{4B3E83B9-222A-4520-83DF-65CC433DACF1}"/>
+              </a:ext>
+            </a:extLst>
+          </p:cNvPr>
+          <p:cNvSpPr>
+            <a:spLocks noGrp="1"/>
+          </p:cNvSpPr>
+          <p:nvPr>
+            <p:ph type="title"/>
+          </p:nvPr>
+        </p:nvSpPr>
+        <p:spPr>
+          <a:xfrm>
+            <a:off x="2378476" y="92075"/>
+            <a:ext cx="8106792" cy="763941"/>
+          </a:xfrm>
+        </p:spPr>
+        <p:txBody>
+          <a:bodyPr>
+            <a:normAutofit/>
+          </a:bodyPr>
+          <a:lstStyle/>
+          <a:p>
+            <a:r>
+              <a:rPr lang="el-GR" b="1" u="sng" dirty="0"/>
+              <a:t>Εφαρμογή</a:t>
+            </a:r>
+            <a:r>
+              <a:rPr lang="en-US" b="1" u="sng" dirty="0"/>
+              <a:t>: </a:t>
+            </a:r>
+            <a:r>
+              <a:rPr lang="el-GR" b="1" u="sng" dirty="0"/>
+              <a:t>Λειτουργίες</a:t>
+            </a:r>
+            <a:r>
+              <a:rPr lang="en-US" b="1" u="sng" dirty="0"/>
+              <a:t> </a:t>
+            </a:r>
+            <a:r>
+              <a:rPr lang="en-US" dirty="0"/>
+              <a:t>(2)</a:t>
+            </a:r>
+          </a:p>
+        </p:txBody>
+      </p:sp>
+      <p:sp>
+        <p:nvSpPr>
+          <p:cNvPr id="21" name="Date Placeholder 20">
+            <a:extLst>
+              <a:ext uri="{FF2B5EF4-FFF2-40B4-BE49-F238E27FC236}">
+                <a16:creationId xmlns:a16="http://schemas.microsoft.com/office/drawing/2014/main" id="{FC983FB1-C97B-41D3-9FB3-3965A27A682D}"/>
+              </a:ext>
+            </a:extLst>
+          </p:cNvPr>
+          <p:cNvSpPr>
+            <a:spLocks noGrp="1"/>
+          </p:cNvSpPr>
+          <p:nvPr>
+            <p:ph type="dt" sz="half" idx="10"/>
+          </p:nvPr>
+        </p:nvSpPr>
+        <p:spPr>
+          <a:xfrm>
+            <a:off x="838200" y="6400800"/>
+            <a:ext cx="2743200" cy="365125"/>
+          </a:xfrm>
+        </p:spPr>
+        <p:txBody>
+          <a:bodyPr/>
+          <a:lstStyle/>
+          <a:p>
+            <a:r>
+              <a:rPr lang="el-GR" dirty="0"/>
+              <a:t>9/11/2023</a:t>
+            </a:r>
+            <a:endParaRPr lang="en-US" dirty="0"/>
+          </a:p>
+        </p:txBody>
+      </p:sp>
+      <p:sp>
+        <p:nvSpPr>
+          <p:cNvPr id="22" name="Footer Placeholder 21">
+            <a:extLst>
+              <a:ext uri="{FF2B5EF4-FFF2-40B4-BE49-F238E27FC236}">
+                <a16:creationId xmlns:a16="http://schemas.microsoft.com/office/drawing/2014/main" id="{B6B03491-29ED-44F3-91B1-95FE8D2D8A5D}"/>
+              </a:ext>
+            </a:extLst>
+          </p:cNvPr>
+          <p:cNvSpPr>
+            <a:spLocks noGrp="1"/>
+          </p:cNvSpPr>
+          <p:nvPr>
+            <p:ph type="ftr" sz="quarter" idx="11"/>
+          </p:nvPr>
+        </p:nvSpPr>
+        <p:spPr>
+          <a:xfrm>
+            <a:off x="4038600" y="6400800"/>
+            <a:ext cx="4114800" cy="365125"/>
+          </a:xfrm>
+        </p:spPr>
+        <p:txBody>
+          <a:bodyPr/>
+          <a:lstStyle/>
+          <a:p>
+            <a:r>
+              <a:rPr lang="el-GR" dirty="0" err="1"/>
+              <a:t>Εφαρμογη</a:t>
+            </a:r>
+            <a:r>
+              <a:rPr lang="el-GR" dirty="0"/>
+              <a:t> </a:t>
+            </a:r>
+            <a:r>
+              <a:rPr lang="el-GR" dirty="0" err="1"/>
+              <a:t>αποθηκευσησ</a:t>
+            </a:r>
+            <a:r>
+              <a:rPr lang="el-GR" dirty="0"/>
+              <a:t> και </a:t>
+            </a:r>
+            <a:r>
+              <a:rPr lang="el-GR" dirty="0" err="1"/>
+              <a:t>ανακτησησ</a:t>
+            </a:r>
+            <a:r>
+              <a:rPr lang="el-GR" dirty="0"/>
+              <a:t> </a:t>
+            </a:r>
+            <a:r>
+              <a:rPr lang="el-GR" dirty="0" err="1"/>
+              <a:t>αρθρων</a:t>
+            </a:r>
+            <a:r>
+              <a:rPr lang="el-GR" dirty="0"/>
+              <a:t> και </a:t>
+            </a:r>
+            <a:r>
+              <a:rPr lang="el-GR" dirty="0" err="1"/>
+              <a:t>επιστημονικων</a:t>
+            </a:r>
+            <a:r>
+              <a:rPr lang="el-GR" dirty="0"/>
+              <a:t> </a:t>
+            </a:r>
+            <a:r>
+              <a:rPr lang="el-GR" dirty="0" err="1"/>
+              <a:t>περιοδικων</a:t>
+            </a:r>
+            <a:endParaRPr lang="en-US" dirty="0"/>
+          </a:p>
+        </p:txBody>
+      </p:sp>
+      <p:sp>
+        <p:nvSpPr>
+          <p:cNvPr id="23" name="Slide Number Placeholder 22">
+            <a:extLst>
+              <a:ext uri="{FF2B5EF4-FFF2-40B4-BE49-F238E27FC236}">
+                <a16:creationId xmlns:a16="http://schemas.microsoft.com/office/drawing/2014/main" id="{E8C61C62-3469-4549-83A6-FB9E93FFF732}"/>
+              </a:ext>
+            </a:extLst>
+          </p:cNvPr>
+          <p:cNvSpPr>
+            <a:spLocks noGrp="1"/>
+          </p:cNvSpPr>
+          <p:nvPr>
+            <p:ph type="sldNum" sz="quarter" idx="12"/>
+          </p:nvPr>
+        </p:nvSpPr>
+        <p:spPr>
+          <a:xfrm>
+            <a:off x="8610600" y="6400800"/>
+            <a:ext cx="2743200" cy="365125"/>
+          </a:xfrm>
+        </p:spPr>
+        <p:txBody>
+          <a:bodyPr/>
+          <a:lstStyle/>
+          <a:p>
+            <a:fld id="{DFA5D71E-5CDF-4C93-8A75-5B916FDC5BEA}" type="slidenum">
+              <a:rPr lang="en-US" smtClean="0"/>
+              <a:pPr/>
+              <a:t>7</a:t>
+            </a:fld>
+            <a:endParaRPr lang="en-US" dirty="0"/>
+          </a:p>
+        </p:txBody>
+      </p:sp>
+      <p:sp>
+        <p:nvSpPr>
+          <p:cNvPr id="8" name="TextBox 7">
+            <a:extLst>
+              <a:ext uri="{FF2B5EF4-FFF2-40B4-BE49-F238E27FC236}">
+                <a16:creationId xmlns:a16="http://schemas.microsoft.com/office/drawing/2014/main" id="{FB4AAFE8-F6C1-F9CF-C387-E9A8D40302F4}"/>
+              </a:ext>
+            </a:extLst>
+          </p:cNvPr>
+          <p:cNvSpPr txBox="1"/>
+          <p:nvPr/>
+        </p:nvSpPr>
+        <p:spPr>
+          <a:xfrm>
+            <a:off x="756082" y="1189607"/>
+            <a:ext cx="10679836" cy="4893647"/>
+          </a:xfrm>
+          <a:prstGeom prst="rect">
+            <a:avLst/>
+          </a:prstGeom>
+          <a:noFill/>
+        </p:spPr>
+        <p:txBody>
+          <a:bodyPr wrap="square" rtlCol="0">
+            <a:spAutoFit/>
+          </a:bodyPr>
+          <a:lstStyle/>
+          <a:p>
+            <a:pPr marL="285750" indent="-285750" algn="ctr">
+              <a:buFont typeface="Arial" panose="020B0604020202020204" pitchFamily="34" charset="0"/>
+              <a:buChar char="•"/>
+            </a:pPr>
+            <a:r>
+              <a:rPr lang="el-GR" sz="2400" dirty="0"/>
+              <a:t>Αναζήτηση </a:t>
+            </a:r>
+            <a:r>
+              <a:rPr lang="el-GR" sz="2400" b="1" dirty="0"/>
+              <a:t>Δημοσιεύσεων </a:t>
+            </a:r>
+            <a:r>
+              <a:rPr lang="el-GR" sz="2400" dirty="0"/>
+              <a:t>(άρθρων ή περιοδικών) με βάση </a:t>
+            </a:r>
+            <a:r>
+              <a:rPr lang="en-US" sz="2400" dirty="0"/>
+              <a:t>ID </a:t>
+            </a:r>
+            <a:r>
+              <a:rPr lang="el-GR" sz="2400" dirty="0"/>
+              <a:t>ή τίτλο</a:t>
+            </a:r>
+          </a:p>
+          <a:p>
+            <a:pPr marL="285750" indent="-285750" algn="ctr">
+              <a:buFont typeface="Arial" panose="020B0604020202020204" pitchFamily="34" charset="0"/>
+              <a:buChar char="•"/>
+            </a:pPr>
+            <a:endParaRPr lang="en-US" sz="2400" dirty="0"/>
+          </a:p>
+          <a:p>
+            <a:pPr marL="285750" indent="-285750" algn="ctr">
+              <a:buFont typeface="Arial" panose="020B0604020202020204" pitchFamily="34" charset="0"/>
+              <a:buChar char="•"/>
+            </a:pPr>
+            <a:endParaRPr lang="el-GR" sz="2400" dirty="0"/>
+          </a:p>
+          <a:p>
+            <a:pPr marL="285750" indent="-285750" algn="ctr">
+              <a:buFont typeface="Arial" panose="020B0604020202020204" pitchFamily="34" charset="0"/>
+              <a:buChar char="•"/>
+            </a:pPr>
+            <a:r>
+              <a:rPr lang="el-GR" sz="2400" b="1" dirty="0"/>
+              <a:t>Επιλογή πεδίων </a:t>
+            </a:r>
+            <a:r>
+              <a:rPr lang="el-GR" sz="2400" dirty="0"/>
+              <a:t>που εμφανίζονται κατά την αναζήτηση </a:t>
+            </a:r>
+          </a:p>
+          <a:p>
+            <a:pPr algn="ctr"/>
+            <a:r>
+              <a:rPr lang="el-GR" sz="2400" dirty="0"/>
+              <a:t>(πχ. συγγραφέα, προβολές, ημερομηνία, κλπ.)</a:t>
+            </a:r>
+          </a:p>
+          <a:p>
+            <a:pPr marL="285750" indent="-285750" algn="ctr">
+              <a:buFont typeface="Arial" panose="020B0604020202020204" pitchFamily="34" charset="0"/>
+              <a:buChar char="•"/>
+            </a:pPr>
+            <a:endParaRPr lang="en-US" sz="2400" dirty="0"/>
+          </a:p>
+          <a:p>
+            <a:pPr marL="285750" indent="-285750" algn="ctr">
+              <a:buFont typeface="Arial" panose="020B0604020202020204" pitchFamily="34" charset="0"/>
+              <a:buChar char="•"/>
+            </a:pPr>
+            <a:endParaRPr lang="el-GR" sz="2400" dirty="0"/>
+          </a:p>
+          <a:p>
+            <a:pPr marL="285750" indent="-285750" algn="ctr">
+              <a:buFont typeface="Arial" panose="020B0604020202020204" pitchFamily="34" charset="0"/>
+              <a:buChar char="•"/>
+            </a:pPr>
+            <a:r>
+              <a:rPr lang="el-GR" sz="2400" b="1" dirty="0"/>
+              <a:t>Επιλογή σειράς εμφάνισης </a:t>
+            </a:r>
+            <a:r>
+              <a:rPr lang="el-GR" sz="2400" dirty="0"/>
+              <a:t>(αλφαβητική, πιο δημοφιλή πρώτα κλπ.)</a:t>
+            </a:r>
+          </a:p>
+          <a:p>
+            <a:pPr marL="285750" indent="-285750" algn="ctr">
+              <a:buFont typeface="Arial" panose="020B0604020202020204" pitchFamily="34" charset="0"/>
+              <a:buChar char="•"/>
+            </a:pPr>
+            <a:endParaRPr lang="el-GR" sz="2400" dirty="0"/>
+          </a:p>
+          <a:p>
+            <a:pPr marL="285750" indent="-285750" algn="ctr">
+              <a:buFont typeface="Arial" panose="020B0604020202020204" pitchFamily="34" charset="0"/>
+              <a:buChar char="•"/>
+            </a:pPr>
+            <a:endParaRPr lang="el-GR" sz="2400"/>
+          </a:p>
+          <a:p>
+            <a:pPr marL="285750" indent="-285750" algn="ctr">
+              <a:buFont typeface="Arial" panose="020B0604020202020204" pitchFamily="34" charset="0"/>
+              <a:buChar char="•"/>
+            </a:pPr>
+            <a:endParaRPr lang="el-GR" sz="2400" dirty="0"/>
+          </a:p>
+          <a:p>
+            <a:pPr algn="ctr"/>
+            <a:endParaRPr lang="el-GR" sz="2400" dirty="0"/>
+          </a:p>
+          <a:p>
+            <a:pPr algn="ctr"/>
+            <a:r>
+              <a:rPr lang="el-GR" sz="2400" dirty="0">
+                <a:solidFill>
+                  <a:schemeClr val="accent2"/>
+                </a:solidFill>
+              </a:rPr>
+              <a:t>Ας το δούμε στην πράξη!</a:t>
+            </a:r>
+          </a:p>
+        </p:txBody>
+      </p:sp>
+    </p:spTree>
+    <p:extLst>
+      <p:ext uri="{BB962C8B-B14F-4D97-AF65-F5344CB8AC3E}">
+        <p14:creationId xmlns:p14="http://schemas.microsoft.com/office/powerpoint/2010/main" val="4238988863"/>
+      </p:ext>
+    </p:extLst>
+  </p:cSld>
+  <p:clrMapOvr>
+    <a:masterClrMapping/>
+  </p:clrMapOvr>
+</p:sld>
+</file>
+
+<file path=ppt/slides/slide8.xml><?xml version="1.0" encoding="utf-8"?>
+<p:sld xmlns:a="http://schemas.openxmlformats.org/drawingml/2006/main" xmlns:r="http://schemas.openxmlformats.org/officeDocument/2006/relationships" xmlns:p="http://schemas.openxmlformats.org/presentationml/2006/main">
+  <p:cSld>
+    <p:spTree>
+      <p:nvGrpSpPr>
+        <p:cNvPr id="1" name=""/>
+        <p:cNvGrpSpPr/>
+        <p:nvPr/>
+      </p:nvGrpSpPr>
+      <p:grpSpPr>
+        <a:xfrm>
+          <a:off x="0" y="0"/>
+          <a:ext cx="0" cy="0"/>
+          <a:chOff x="0" y="0"/>
+          <a:chExt cx="0" cy="0"/>
+        </a:xfrm>
+      </p:grpSpPr>
+      <p:sp>
+        <p:nvSpPr>
           <p:cNvPr id="2" name="Τίτλος 1">
             <a:extLst>
               <a:ext uri="{FF2B5EF4-FFF2-40B4-BE49-F238E27FC236}">
@@ -11524,7 +12528,7 @@
             <a:fld id="{DFA5D71E-5CDF-4C93-8A75-5B916FDC5BEA}" type="slidenum">
               <a:rPr lang="en-US" smtClean="0"/>
               <a:pPr/>
-              <a:t>6</a:t>
+              <a:t>8</a:t>
             </a:fld>
             <a:endParaRPr lang="en-US" dirty="0"/>
           </a:p>
@@ -11944,7 +12948,7 @@
 </p:sld>
 </file>
 
-<file path=ppt/slides/slide7.xml><?xml version="1.0" encoding="utf-8"?>
+<file path=ppt/slides/slide9.xml><?xml version="1.0" encoding="utf-8"?>
 <p:sld xmlns:a="http://schemas.openxmlformats.org/drawingml/2006/main" xmlns:r="http://schemas.openxmlformats.org/officeDocument/2006/relationships" xmlns:p="http://schemas.openxmlformats.org/presentationml/2006/main">
   <p:cSld>
     <p:spTree>
@@ -12130,7 +13134,7 @@
             <a:fld id="{DFA5D71E-5CDF-4C93-8A75-5B916FDC5BEA}" type="slidenum">
               <a:rPr lang="en-US" smtClean="0"/>
               <a:pPr/>
-              <a:t>7</a:t>
+              <a:t>9</a:t>
             </a:fld>
             <a:endParaRPr lang="en-US" dirty="0"/>
           </a:p>
@@ -13536,34 +14540,6 @@
 </file>
 
 <file path=customXml/item1.xml><?xml version="1.0" encoding="utf-8"?>
-<p:properties xmlns:p="http://schemas.microsoft.com/office/2006/metadata/properties" xmlns:xsi="http://www.w3.org/2001/XMLSchema-instance" xmlns:pc="http://schemas.microsoft.com/office/infopath/2007/PartnerControls">
-  <documentManagement>
-    <_ip_UnifiedCompliancePolicyUIAction xmlns="http://schemas.microsoft.com/sharepoint/v3" xsi:nil="true"/>
-    <Image xmlns="71af3243-3dd4-4a8d-8c0d-dd76da1f02a5">
-      <Url xsi:nil="true"/>
-      <Description xsi:nil="true"/>
-    </Image>
-    <Status xmlns="71af3243-3dd4-4a8d-8c0d-dd76da1f02a5">Not started</Status>
-    <_ip_UnifiedCompliancePolicyProperties xmlns="http://schemas.microsoft.com/sharepoint/v3" xsi:nil="true"/>
-    <lcf76f155ced4ddcb4097134ff3c332f xmlns="71af3243-3dd4-4a8d-8c0d-dd76da1f02a5">
-      <Terms xmlns="http://schemas.microsoft.com/office/infopath/2007/PartnerControls"/>
-    </lcf76f155ced4ddcb4097134ff3c332f>
-    <TaxCatchAll xmlns="230e9df3-be65-4c73-a93b-d1236ebd677e"/>
-    <MediaServiceKeyPoints xmlns="71af3243-3dd4-4a8d-8c0d-dd76da1f02a5" xsi:nil="true"/>
-  </documentManagement>
-</p:properties>
-</file>
-
-<file path=customXml/item2.xml><?xml version="1.0" encoding="utf-8"?>
-<?mso-contentType ?>
-<FormTemplates xmlns="http://schemas.microsoft.com/sharepoint/v3/contenttype/forms">
-  <Display>DocumentLibraryForm</Display>
-  <Edit>DocumentLibraryForm</Edit>
-  <New>DocumentLibraryForm</New>
-</FormTemplates>
-</file>
-
-<file path=customXml/item3.xml><?xml version="1.0" encoding="utf-8"?>
 <ct:contentTypeSchema xmlns:ct="http://schemas.microsoft.com/office/2006/metadata/contentType" xmlns:ma="http://schemas.microsoft.com/office/2006/metadata/properties/metaAttributes" ct:_="" ma:_="" ma:contentTypeName="Document" ma:contentTypeID="0x01010079F111ED35F8CC479449609E8A0923A6" ma:contentTypeVersion="18" ma:contentTypeDescription="Create a new document." ma:contentTypeScope="" ma:versionID="22a266b9fa9a230c5a512669d8b298c3">
   <xsd:schema xmlns:xsd="http://www.w3.org/2001/XMLSchema" xmlns:xs="http://www.w3.org/2001/XMLSchema" xmlns:p="http://schemas.microsoft.com/office/2006/metadata/properties" xmlns:ns1="http://schemas.microsoft.com/sharepoint/v3" xmlns:ns2="71af3243-3dd4-4a8d-8c0d-dd76da1f02a5" xmlns:ns3="16c05727-aa75-4e4a-9b5f-8a80a1165891" xmlns:ns4="230e9df3-be65-4c73-a93b-d1236ebd677e" targetNamespace="http://schemas.microsoft.com/office/2006/metadata/properties" ma:root="true" ma:fieldsID="eddc33fff6b14141ee5c74a0d29ea6a1" ns1:_="" ns2:_="" ns3:_="" ns4:_="">
     <xsd:import namespace="http://schemas.microsoft.com/sharepoint/v3"/>
@@ -13839,34 +14815,35 @@
 </ct:contentTypeSchema>
 </file>
 
-<file path=customXml/itemProps1.xml><?xml version="1.0" encoding="utf-8"?>
-<ds:datastoreItem xmlns:ds="http://schemas.openxmlformats.org/officeDocument/2006/customXml" ds:itemID="{46275531-F059-4661-BC99-5916D6312804}">
-  <ds:schemaRefs>
-    <ds:schemaRef ds:uri="16c05727-aa75-4e4a-9b5f-8a80a1165891"/>
-    <ds:schemaRef ds:uri="http://schemas.microsoft.com/office/2006/metadata/properties"/>
-    <ds:schemaRef ds:uri="http://purl.org/dc/terms/"/>
-    <ds:schemaRef ds:uri="71af3243-3dd4-4a8d-8c0d-dd76da1f02a5"/>
-    <ds:schemaRef ds:uri="http://schemas.microsoft.com/office/infopath/2007/PartnerControls"/>
-    <ds:schemaRef ds:uri="http://schemas.microsoft.com/office/2006/documentManagement/types"/>
-    <ds:schemaRef ds:uri="http://schemas.openxmlformats.org/package/2006/metadata/core-properties"/>
-    <ds:schemaRef ds:uri="http://purl.org/dc/elements/1.1/"/>
-    <ds:schemaRef ds:uri="230e9df3-be65-4c73-a93b-d1236ebd677e"/>
-    <ds:schemaRef ds:uri="http://schemas.microsoft.com/sharepoint/v3"/>
-    <ds:schemaRef ds:uri="http://www.w3.org/XML/1998/namespace"/>
-    <ds:schemaRef ds:uri="http://purl.org/dc/dcmitype/"/>
-  </ds:schemaRefs>
-</ds:datastoreItem>
+<file path=customXml/item2.xml><?xml version="1.0" encoding="utf-8"?>
+<?mso-contentType ?>
+<FormTemplates xmlns="http://schemas.microsoft.com/sharepoint/v3/contenttype/forms">
+  <Display>DocumentLibraryForm</Display>
+  <Edit>DocumentLibraryForm</Edit>
+  <New>DocumentLibraryForm</New>
+</FormTemplates>
 </file>
 
-<file path=customXml/itemProps2.xml><?xml version="1.0" encoding="utf-8"?>
-<ds:datastoreItem xmlns:ds="http://schemas.openxmlformats.org/officeDocument/2006/customXml" ds:itemID="{81E232BF-B213-4F24-BBD3-1528B29F127A}">
-  <ds:schemaRefs>
-    <ds:schemaRef ds:uri="http://schemas.microsoft.com/sharepoint/v3/contenttype/forms"/>
-  </ds:schemaRefs>
-</ds:datastoreItem>
+<file path=customXml/item3.xml><?xml version="1.0" encoding="utf-8"?>
+<p:properties xmlns:p="http://schemas.microsoft.com/office/2006/metadata/properties" xmlns:xsi="http://www.w3.org/2001/XMLSchema-instance" xmlns:pc="http://schemas.microsoft.com/office/infopath/2007/PartnerControls">
+  <documentManagement>
+    <_ip_UnifiedCompliancePolicyUIAction xmlns="http://schemas.microsoft.com/sharepoint/v3" xsi:nil="true"/>
+    <Image xmlns="71af3243-3dd4-4a8d-8c0d-dd76da1f02a5">
+      <Url xsi:nil="true"/>
+      <Description xsi:nil="true"/>
+    </Image>
+    <Status xmlns="71af3243-3dd4-4a8d-8c0d-dd76da1f02a5">Not started</Status>
+    <_ip_UnifiedCompliancePolicyProperties xmlns="http://schemas.microsoft.com/sharepoint/v3" xsi:nil="true"/>
+    <lcf76f155ced4ddcb4097134ff3c332f xmlns="71af3243-3dd4-4a8d-8c0d-dd76da1f02a5">
+      <Terms xmlns="http://schemas.microsoft.com/office/infopath/2007/PartnerControls"/>
+    </lcf76f155ced4ddcb4097134ff3c332f>
+    <TaxCatchAll xmlns="230e9df3-be65-4c73-a93b-d1236ebd677e"/>
+    <MediaServiceKeyPoints xmlns="71af3243-3dd4-4a8d-8c0d-dd76da1f02a5" xsi:nil="true"/>
+  </documentManagement>
+</p:properties>
 </file>
 
-<file path=customXml/itemProps3.xml><?xml version="1.0" encoding="utf-8"?>
+<file path=customXml/itemProps1.xml><?xml version="1.0" encoding="utf-8"?>
 <ds:datastoreItem xmlns:ds="http://schemas.openxmlformats.org/officeDocument/2006/customXml" ds:itemID="{F6806A6F-3B78-4957-BAA5-95F2FE58D16D}">
   <ds:schemaRefs>
     <ds:schemaRef ds:uri="http://schemas.microsoft.com/office/2006/metadata/contentType"/>
@@ -13887,6 +14864,33 @@
 </ds:datastoreItem>
 </file>
 
+<file path=customXml/itemProps2.xml><?xml version="1.0" encoding="utf-8"?>
+<ds:datastoreItem xmlns:ds="http://schemas.openxmlformats.org/officeDocument/2006/customXml" ds:itemID="{81E232BF-B213-4F24-BBD3-1528B29F127A}">
+  <ds:schemaRefs>
+    <ds:schemaRef ds:uri="http://schemas.microsoft.com/sharepoint/v3/contenttype/forms"/>
+  </ds:schemaRefs>
+</ds:datastoreItem>
+</file>
+
+<file path=customXml/itemProps3.xml><?xml version="1.0" encoding="utf-8"?>
+<ds:datastoreItem xmlns:ds="http://schemas.openxmlformats.org/officeDocument/2006/customXml" ds:itemID="{46275531-F059-4661-BC99-5916D6312804}">
+  <ds:schemaRefs>
+    <ds:schemaRef ds:uri="16c05727-aa75-4e4a-9b5f-8a80a1165891"/>
+    <ds:schemaRef ds:uri="http://schemas.microsoft.com/office/2006/metadata/properties"/>
+    <ds:schemaRef ds:uri="http://purl.org/dc/terms/"/>
+    <ds:schemaRef ds:uri="71af3243-3dd4-4a8d-8c0d-dd76da1f02a5"/>
+    <ds:schemaRef ds:uri="http://schemas.microsoft.com/office/infopath/2007/PartnerControls"/>
+    <ds:schemaRef ds:uri="http://schemas.microsoft.com/office/2006/documentManagement/types"/>
+    <ds:schemaRef ds:uri="http://schemas.openxmlformats.org/package/2006/metadata/core-properties"/>
+    <ds:schemaRef ds:uri="http://purl.org/dc/elements/1.1/"/>
+    <ds:schemaRef ds:uri="230e9df3-be65-4c73-a93b-d1236ebd677e"/>
+    <ds:schemaRef ds:uri="http://schemas.microsoft.com/sharepoint/v3"/>
+    <ds:schemaRef ds:uri="http://www.w3.org/XML/1998/namespace"/>
+    <ds:schemaRef ds:uri="http://purl.org/dc/dcmitype/"/>
+  </ds:schemaRefs>
+</ds:datastoreItem>
+</file>
+
 <file path=docMetadata/LabelInfo.xml><?xml version="1.0" encoding="utf-8"?>
 <clbl:labelList xmlns:clbl="http://schemas.microsoft.com/office/2020/mipLabelMetadata">
   <clbl:label id="{f42aa342-8706-4288-bd11-ebb85995028c}" enabled="1" method="Standard" siteId="{72f988bf-86f1-41af-91ab-2d7cd011db47}" removed="0"/>
